--- a/hackathon_ibmec.pptx
+++ b/hackathon_ibmec.pptx
@@ -224,14 +224,14 @@
           </a:ln>
           <a:extLst>
             <a:ext uri="{909E8E84-426E-40dd-AFC4-6F175D3DCCD1}">
-              <a14:hiddenFill xmlns="" xmlns:a14="http://schemas.microsoft.com/office/drawing/2010/main">
+              <a14:hiddenFill xmlns:a14="http://schemas.microsoft.com/office/drawing/2010/main" xmlns="">
                 <a:solidFill>
                   <a:srgbClr val="FFFFFF"/>
                 </a:solidFill>
               </a14:hiddenFill>
             </a:ext>
             <a:ext uri="{91240B29-F687-4f45-9708-019B960494DF}">
-              <a14:hiddenLine xmlns="" xmlns:a14="http://schemas.microsoft.com/office/drawing/2010/main" w="9525">
+              <a14:hiddenLine xmlns:a14="http://schemas.microsoft.com/office/drawing/2010/main" xmlns="" w="9525">
                 <a:solidFill>
                   <a:srgbClr val="000000"/>
                 </a:solidFill>
@@ -241,7 +241,7 @@
               </a14:hiddenLine>
             </a:ext>
             <a:ext uri="{FAA26D3D-D897-4be2-8F04-BA451C77F1D7}">
-              <ma14:placeholderFlag xmlns="" xmlns:ma14="http://schemas.microsoft.com/office/mac/drawingml/2011/main" val="1"/>
+              <ma14:placeholderFlag xmlns:ma14="http://schemas.microsoft.com/office/mac/drawingml/2011/main" xmlns="" val="1"/>
             </a:ext>
           </a:extLst>
         </p:spPr>
@@ -271,14 +271,14 @@
           <a:effectLst/>
           <a:extLst>
             <a:ext uri="{909E8E84-426E-40dd-AFC4-6F175D3DCCD1}">
-              <a14:hiddenFill xmlns="" xmlns:a14="http://schemas.microsoft.com/office/drawing/2010/main">
+              <a14:hiddenFill xmlns:a14="http://schemas.microsoft.com/office/drawing/2010/main" xmlns="">
                 <a:solidFill>
                   <a:srgbClr val="FFFFFF"/>
                 </a:solidFill>
               </a14:hiddenFill>
             </a:ext>
             <a:ext uri="{91240B29-F687-4f45-9708-019B960494DF}">
-              <a14:hiddenLine xmlns="" xmlns:a14="http://schemas.microsoft.com/office/drawing/2010/main" w="12700" cap="rnd">
+              <a14:hiddenLine xmlns:a14="http://schemas.microsoft.com/office/drawing/2010/main" xmlns="" w="12700" cap="rnd">
                 <a:solidFill>
                   <a:srgbClr val="000000"/>
                 </a:solidFill>
@@ -288,7 +288,7 @@
               </a14:hiddenLine>
             </a:ext>
             <a:ext uri="{AF507438-7753-43e0-B8FC-AC1667EBCBE1}">
-              <a14:hiddenEffects xmlns="" xmlns:a14="http://schemas.microsoft.com/office/drawing/2010/main">
+              <a14:hiddenEffects xmlns:a14="http://schemas.microsoft.com/office/drawing/2010/main" xmlns="">
                 <a:effectLst>
                   <a:outerShdw dist="35921" dir="2700000" algn="ctr" rotWithShape="0">
                     <a:srgbClr val="808080"/>
@@ -503,6 +503,72 @@
     </a:lvl9pPr>
   </p:notesStyle>
 </p:notesMaster>
+</file>
+
+<file path=ppt/notesSlides/notesSlide1.xml><?xml version="1.0" encoding="utf-8"?>
+<p:notes xmlns:a="http://schemas.openxmlformats.org/drawingml/2006/main" xmlns:r="http://schemas.openxmlformats.org/officeDocument/2006/relationships" xmlns:p="http://schemas.openxmlformats.org/presentationml/2006/main">
+  <p:cSld>
+    <p:spTree>
+      <p:nvGrpSpPr>
+        <p:cNvPr id="1" name=""/>
+        <p:cNvGrpSpPr/>
+        <p:nvPr/>
+      </p:nvGrpSpPr>
+      <p:grpSpPr>
+        <a:xfrm>
+          <a:off x="0" y="0"/>
+          <a:ext cx="0" cy="0"/>
+          <a:chOff x="0" y="0"/>
+          <a:chExt cx="0" cy="0"/>
+        </a:xfrm>
+      </p:grpSpPr>
+      <p:sp>
+        <p:nvSpPr>
+          <p:cNvPr id="2" name="Espaço Reservado para Imagem de Slide 1"/>
+          <p:cNvSpPr>
+            <a:spLocks noGrp="1" noRot="1" noChangeAspect="1"/>
+          </p:cNvSpPr>
+          <p:nvPr>
+            <p:ph type="sldImg"/>
+          </p:nvPr>
+        </p:nvSpPr>
+        <p:spPr>
+          <a:xfrm>
+            <a:off x="381000" y="685800"/>
+            <a:ext cx="6096000" cy="3429000"/>
+          </a:xfrm>
+        </p:spPr>
+      </p:sp>
+      <p:sp>
+        <p:nvSpPr>
+          <p:cNvPr id="3" name="Espaço Reservado para Anotações 2"/>
+          <p:cNvSpPr>
+            <a:spLocks noGrp="1"/>
+          </p:cNvSpPr>
+          <p:nvPr>
+            <p:ph type="body" idx="1"/>
+          </p:nvPr>
+        </p:nvSpPr>
+        <p:spPr/>
+        <p:txBody>
+          <a:bodyPr/>
+          <a:lstStyle/>
+          <a:p>
+            <a:endParaRPr lang="pt-BR"/>
+          </a:p>
+        </p:txBody>
+      </p:sp>
+    </p:spTree>
+    <p:extLst>
+      <p:ext uri="{BB962C8B-B14F-4D97-AF65-F5344CB8AC3E}">
+        <p14:creationId xmlns:p14="http://schemas.microsoft.com/office/powerpoint/2010/main" val="2931253472"/>
+      </p:ext>
+    </p:extLst>
+  </p:cSld>
+  <p:clrMapOvr>
+    <a:masterClrMapping/>
+  </p:clrMapOvr>
+</p:notes>
 </file>
 
 <file path=ppt/slideLayouts/slideLayout1.xml><?xml version="1.0" encoding="utf-8"?>
@@ -37686,7 +37752,7 @@
           <p:nvPr/>
         </p:nvPicPr>
         <p:blipFill>
-          <a:blip r:embed="rId2">
+          <a:blip r:embed="rId3">
             <a:extLst>
               <a:ext uri="{28A0092B-C50C-407E-A947-70E740481C1C}">
                 <a14:useLocalDpi xmlns:a14="http://schemas.microsoft.com/office/drawing/2010/main" val="0"/>
@@ -37898,8 +37964,8 @@
         </p:nvSpPr>
         <p:spPr>
           <a:xfrm>
-            <a:off x="2919362" y="2763533"/>
-            <a:ext cx="6497291" cy="1169551"/>
+            <a:off x="3302607" y="2813747"/>
+            <a:ext cx="5586786" cy="1169551"/>
           </a:xfrm>
           <a:prstGeom prst="rect">
             <a:avLst/>
@@ -37912,13 +37978,14 @@
           </a:bodyPr>
           <a:lstStyle/>
           <a:p>
+            <a:pPr algn="ctr"/>
             <a:r>
               <a:rPr lang="pt-BR" sz="7000" b="1" dirty="0">
                 <a:solidFill>
                   <a:schemeClr val="bg1"/>
                 </a:solidFill>
               </a:rPr>
-              <a:t>612.000 Watts/H</a:t>
+              <a:t>1.200 Watts/H</a:t>
             </a:r>
           </a:p>
         </p:txBody>
@@ -37938,7 +38005,7 @@
           <p:nvPr/>
         </p:nvPicPr>
         <p:blipFill>
-          <a:blip r:embed="rId3" cstate="email">
+          <a:blip r:embed="rId4" cstate="email">
             <a:extLst>
               <a:ext uri="{28A0092B-C50C-407E-A947-70E740481C1C}">
                 <a14:useLocalDpi xmlns:a14="http://schemas.microsoft.com/office/drawing/2010/main" val="0"/>
